--- a/Initial Results Feb 2016.pptx
+++ b/Initial Results Feb 2016.pptx
@@ -5150,11 +5150,7 @@
             </a:br>
             <a:r>
               <a:rPr lang="en-US" sz="2400" dirty="0" smtClean="0"/>
-              <a:t>(Naïve implementation is </a:t>
-            </a:r>
-            <a:r>
-              <a:rPr lang="en-US" sz="2400" dirty="0" smtClean="0"/>
-              <a:t>O(n</a:t>
+              <a:t>(Naïve implementation is O(n</a:t>
             </a:r>
             <a:r>
               <a:rPr lang="en-US" sz="2400" baseline="30000" dirty="0"/>
@@ -5164,7 +5160,6 @@
               <a:rPr lang="en-US" sz="2400" dirty="0" smtClean="0"/>
               <a:t> log(n))</a:t>
             </a:r>
-            <a:endParaRPr lang="en-US" sz="2400" dirty="0" smtClean="0"/>
           </a:p>
           <a:p>
             <a:r>
